--- a/doc/_images/sbm schema.pptx
+++ b/doc/_images/sbm schema.pptx
@@ -5,9 +5,8 @@
     <p:sldMasterId id="2147483648" r:id="rId1"/>
   </p:sldMasterIdLst>
   <p:sldIdLst>
-    <p:sldId id="256" r:id="rId2"/>
-    <p:sldId id="257" r:id="rId3"/>
-    <p:sldId id="258" r:id="rId4"/>
+    <p:sldId id="257" r:id="rId2"/>
+    <p:sldId id="258" r:id="rId3"/>
   </p:sldIdLst>
   <p:sldSz cx="9144000" cy="6858000" type="screen4x3"/>
   <p:notesSz cx="6858000" cy="9144000"/>
@@ -106,6 +105,22 @@
       </a:defRPr>
     </a:lvl9pPr>
   </p:defaultTextStyle>
+  <p:extLst>
+    <p:ext uri="{EFAFB233-063F-42B5-8137-9DF3F51BA10A}">
+      <p15:sldGuideLst xmlns:p15="http://schemas.microsoft.com/office/powerpoint/2012/main">
+        <p15:guide id="1" orient="horz" pos="2160">
+          <p15:clr>
+            <a:srgbClr val="A4A3A4"/>
+          </p15:clr>
+        </p15:guide>
+        <p15:guide id="2" pos="2880">
+          <p15:clr>
+            <a:srgbClr val="A4A3A4"/>
+          </p15:clr>
+        </p15:guide>
+      </p15:sldGuideLst>
+    </p:ext>
+  </p:extLst>
 </p:presentation>
 </file>
 
@@ -147,7 +162,7 @@
           <a:lstStyle/>
           <a:p>
             <a:r>
-              <a:rPr lang="en-US" smtClean="0"/>
+              <a:rPr lang="en-US"/>
               <a:t>Click to edit Master title style</a:t>
             </a:r>
             <a:endParaRPr lang="en-GB"/>
@@ -266,7 +281,7 @@
           </a:lstStyle>
           <a:p>
             <a:r>
-              <a:rPr lang="en-US" smtClean="0"/>
+              <a:rPr lang="en-US"/>
               <a:t>Click to edit Master subtitle style</a:t>
             </a:r>
             <a:endParaRPr lang="en-GB"/>
@@ -290,7 +305,7 @@
           <a:p>
             <a:fld id="{C7ACB136-7EEC-4858-8674-716FE7449EED}" type="datetimeFigureOut">
               <a:rPr lang="en-GB" smtClean="0"/>
-              <a:t>20/05/2016</a:t>
+              <a:t>24/09/2019</a:t>
             </a:fld>
             <a:endParaRPr lang="en-GB"/>
           </a:p>
@@ -384,7 +399,7 @@
           <a:lstStyle/>
           <a:p>
             <a:r>
-              <a:rPr lang="en-US" smtClean="0"/>
+              <a:rPr lang="en-US"/>
               <a:t>Click to edit Master title style</a:t>
             </a:r>
             <a:endParaRPr lang="en-GB"/>
@@ -408,35 +423,35 @@
           <a:p>
             <a:pPr lvl="0"/>
             <a:r>
-              <a:rPr lang="en-US" smtClean="0"/>
+              <a:rPr lang="en-US"/>
               <a:t>Click to edit Master text styles</a:t>
             </a:r>
           </a:p>
           <a:p>
             <a:pPr lvl="1"/>
             <a:r>
-              <a:rPr lang="en-US" smtClean="0"/>
+              <a:rPr lang="en-US"/>
               <a:t>Second level</a:t>
             </a:r>
           </a:p>
           <a:p>
             <a:pPr lvl="2"/>
             <a:r>
-              <a:rPr lang="en-US" smtClean="0"/>
+              <a:rPr lang="en-US"/>
               <a:t>Third level</a:t>
             </a:r>
           </a:p>
           <a:p>
             <a:pPr lvl="3"/>
             <a:r>
-              <a:rPr lang="en-US" smtClean="0"/>
+              <a:rPr lang="en-US"/>
               <a:t>Fourth level</a:t>
             </a:r>
           </a:p>
           <a:p>
             <a:pPr lvl="4"/>
             <a:r>
-              <a:rPr lang="en-US" smtClean="0"/>
+              <a:rPr lang="en-US"/>
               <a:t>Fifth level</a:t>
             </a:r>
             <a:endParaRPr lang="en-GB"/>
@@ -460,7 +475,7 @@
           <a:p>
             <a:fld id="{C7ACB136-7EEC-4858-8674-716FE7449EED}" type="datetimeFigureOut">
               <a:rPr lang="en-GB" smtClean="0"/>
-              <a:t>20/05/2016</a:t>
+              <a:t>24/09/2019</a:t>
             </a:fld>
             <a:endParaRPr lang="en-GB"/>
           </a:p>
@@ -559,7 +574,7 @@
           <a:lstStyle/>
           <a:p>
             <a:r>
-              <a:rPr lang="en-US" smtClean="0"/>
+              <a:rPr lang="en-US"/>
               <a:t>Click to edit Master title style</a:t>
             </a:r>
             <a:endParaRPr lang="en-GB"/>
@@ -588,35 +603,35 @@
           <a:p>
             <a:pPr lvl="0"/>
             <a:r>
-              <a:rPr lang="en-US" smtClean="0"/>
+              <a:rPr lang="en-US"/>
               <a:t>Click to edit Master text styles</a:t>
             </a:r>
           </a:p>
           <a:p>
             <a:pPr lvl="1"/>
             <a:r>
-              <a:rPr lang="en-US" smtClean="0"/>
+              <a:rPr lang="en-US"/>
               <a:t>Second level</a:t>
             </a:r>
           </a:p>
           <a:p>
             <a:pPr lvl="2"/>
             <a:r>
-              <a:rPr lang="en-US" smtClean="0"/>
+              <a:rPr lang="en-US"/>
               <a:t>Third level</a:t>
             </a:r>
           </a:p>
           <a:p>
             <a:pPr lvl="3"/>
             <a:r>
-              <a:rPr lang="en-US" smtClean="0"/>
+              <a:rPr lang="en-US"/>
               <a:t>Fourth level</a:t>
             </a:r>
           </a:p>
           <a:p>
             <a:pPr lvl="4"/>
             <a:r>
-              <a:rPr lang="en-US" smtClean="0"/>
+              <a:rPr lang="en-US"/>
               <a:t>Fifth level</a:t>
             </a:r>
             <a:endParaRPr lang="en-GB"/>
@@ -640,7 +655,7 @@
           <a:p>
             <a:fld id="{C7ACB136-7EEC-4858-8674-716FE7449EED}" type="datetimeFigureOut">
               <a:rPr lang="en-GB" smtClean="0"/>
-              <a:t>20/05/2016</a:t>
+              <a:t>24/09/2019</a:t>
             </a:fld>
             <a:endParaRPr lang="en-GB"/>
           </a:p>
@@ -734,7 +749,7 @@
           <a:lstStyle/>
           <a:p>
             <a:r>
-              <a:rPr lang="en-US" smtClean="0"/>
+              <a:rPr lang="en-US"/>
               <a:t>Click to edit Master title style</a:t>
             </a:r>
             <a:endParaRPr lang="en-GB"/>
@@ -758,35 +773,35 @@
           <a:p>
             <a:pPr lvl="0"/>
             <a:r>
-              <a:rPr lang="en-US" smtClean="0"/>
+              <a:rPr lang="en-US"/>
               <a:t>Click to edit Master text styles</a:t>
             </a:r>
           </a:p>
           <a:p>
             <a:pPr lvl="1"/>
             <a:r>
-              <a:rPr lang="en-US" smtClean="0"/>
+              <a:rPr lang="en-US"/>
               <a:t>Second level</a:t>
             </a:r>
           </a:p>
           <a:p>
             <a:pPr lvl="2"/>
             <a:r>
-              <a:rPr lang="en-US" smtClean="0"/>
+              <a:rPr lang="en-US"/>
               <a:t>Third level</a:t>
             </a:r>
           </a:p>
           <a:p>
             <a:pPr lvl="3"/>
             <a:r>
-              <a:rPr lang="en-US" smtClean="0"/>
+              <a:rPr lang="en-US"/>
               <a:t>Fourth level</a:t>
             </a:r>
           </a:p>
           <a:p>
             <a:pPr lvl="4"/>
             <a:r>
-              <a:rPr lang="en-US" smtClean="0"/>
+              <a:rPr lang="en-US"/>
               <a:t>Fifth level</a:t>
             </a:r>
             <a:endParaRPr lang="en-GB"/>
@@ -810,7 +825,7 @@
           <a:p>
             <a:fld id="{C7ACB136-7EEC-4858-8674-716FE7449EED}" type="datetimeFigureOut">
               <a:rPr lang="en-GB" smtClean="0"/>
-              <a:t>20/05/2016</a:t>
+              <a:t>24/09/2019</a:t>
             </a:fld>
             <a:endParaRPr lang="en-GB"/>
           </a:p>
@@ -913,7 +928,7 @@
           </a:lstStyle>
           <a:p>
             <a:r>
-              <a:rPr lang="en-US" smtClean="0"/>
+              <a:rPr lang="en-US"/>
               <a:t>Click to edit Master title style</a:t>
             </a:r>
             <a:endParaRPr lang="en-GB"/>
@@ -1033,7 +1048,7 @@
           <a:p>
             <a:pPr lvl="0"/>
             <a:r>
-              <a:rPr lang="en-US" smtClean="0"/>
+              <a:rPr lang="en-US"/>
               <a:t>Click to edit Master text styles</a:t>
             </a:r>
           </a:p>
@@ -1056,7 +1071,7 @@
           <a:p>
             <a:fld id="{C7ACB136-7EEC-4858-8674-716FE7449EED}" type="datetimeFigureOut">
               <a:rPr lang="en-GB" smtClean="0"/>
-              <a:t>20/05/2016</a:t>
+              <a:t>24/09/2019</a:t>
             </a:fld>
             <a:endParaRPr lang="en-GB"/>
           </a:p>
@@ -1150,7 +1165,7 @@
           <a:lstStyle/>
           <a:p>
             <a:r>
-              <a:rPr lang="en-US" smtClean="0"/>
+              <a:rPr lang="en-US"/>
               <a:t>Click to edit Master title style</a:t>
             </a:r>
             <a:endParaRPr lang="en-GB"/>
@@ -1207,35 +1222,35 @@
           <a:p>
             <a:pPr lvl="0"/>
             <a:r>
-              <a:rPr lang="en-US" smtClean="0"/>
+              <a:rPr lang="en-US"/>
               <a:t>Click to edit Master text styles</a:t>
             </a:r>
           </a:p>
           <a:p>
             <a:pPr lvl="1"/>
             <a:r>
-              <a:rPr lang="en-US" smtClean="0"/>
+              <a:rPr lang="en-US"/>
               <a:t>Second level</a:t>
             </a:r>
           </a:p>
           <a:p>
             <a:pPr lvl="2"/>
             <a:r>
-              <a:rPr lang="en-US" smtClean="0"/>
+              <a:rPr lang="en-US"/>
               <a:t>Third level</a:t>
             </a:r>
           </a:p>
           <a:p>
             <a:pPr lvl="3"/>
             <a:r>
-              <a:rPr lang="en-US" smtClean="0"/>
+              <a:rPr lang="en-US"/>
               <a:t>Fourth level</a:t>
             </a:r>
           </a:p>
           <a:p>
             <a:pPr lvl="4"/>
             <a:r>
-              <a:rPr lang="en-US" smtClean="0"/>
+              <a:rPr lang="en-US"/>
               <a:t>Fifth level</a:t>
             </a:r>
             <a:endParaRPr lang="en-GB"/>
@@ -1292,35 +1307,35 @@
           <a:p>
             <a:pPr lvl="0"/>
             <a:r>
-              <a:rPr lang="en-US" smtClean="0"/>
+              <a:rPr lang="en-US"/>
               <a:t>Click to edit Master text styles</a:t>
             </a:r>
           </a:p>
           <a:p>
             <a:pPr lvl="1"/>
             <a:r>
-              <a:rPr lang="en-US" smtClean="0"/>
+              <a:rPr lang="en-US"/>
               <a:t>Second level</a:t>
             </a:r>
           </a:p>
           <a:p>
             <a:pPr lvl="2"/>
             <a:r>
-              <a:rPr lang="en-US" smtClean="0"/>
+              <a:rPr lang="en-US"/>
               <a:t>Third level</a:t>
             </a:r>
           </a:p>
           <a:p>
             <a:pPr lvl="3"/>
             <a:r>
-              <a:rPr lang="en-US" smtClean="0"/>
+              <a:rPr lang="en-US"/>
               <a:t>Fourth level</a:t>
             </a:r>
           </a:p>
           <a:p>
             <a:pPr lvl="4"/>
             <a:r>
-              <a:rPr lang="en-US" smtClean="0"/>
+              <a:rPr lang="en-US"/>
               <a:t>Fifth level</a:t>
             </a:r>
             <a:endParaRPr lang="en-GB"/>
@@ -1344,7 +1359,7 @@
           <a:p>
             <a:fld id="{C7ACB136-7EEC-4858-8674-716FE7449EED}" type="datetimeFigureOut">
               <a:rPr lang="en-GB" smtClean="0"/>
-              <a:t>20/05/2016</a:t>
+              <a:t>24/09/2019</a:t>
             </a:fld>
             <a:endParaRPr lang="en-GB"/>
           </a:p>
@@ -1442,7 +1457,7 @@
           </a:lstStyle>
           <a:p>
             <a:r>
-              <a:rPr lang="en-US" smtClean="0"/>
+              <a:rPr lang="en-US"/>
               <a:t>Click to edit Master title style</a:t>
             </a:r>
             <a:endParaRPr lang="en-GB"/>
@@ -1508,7 +1523,7 @@
           <a:p>
             <a:pPr lvl="0"/>
             <a:r>
-              <a:rPr lang="en-US" smtClean="0"/>
+              <a:rPr lang="en-US"/>
               <a:t>Click to edit Master text styles</a:t>
             </a:r>
           </a:p>
@@ -1564,35 +1579,35 @@
           <a:p>
             <a:pPr lvl="0"/>
             <a:r>
-              <a:rPr lang="en-US" smtClean="0"/>
+              <a:rPr lang="en-US"/>
               <a:t>Click to edit Master text styles</a:t>
             </a:r>
           </a:p>
           <a:p>
             <a:pPr lvl="1"/>
             <a:r>
-              <a:rPr lang="en-US" smtClean="0"/>
+              <a:rPr lang="en-US"/>
               <a:t>Second level</a:t>
             </a:r>
           </a:p>
           <a:p>
             <a:pPr lvl="2"/>
             <a:r>
-              <a:rPr lang="en-US" smtClean="0"/>
+              <a:rPr lang="en-US"/>
               <a:t>Third level</a:t>
             </a:r>
           </a:p>
           <a:p>
             <a:pPr lvl="3"/>
             <a:r>
-              <a:rPr lang="en-US" smtClean="0"/>
+              <a:rPr lang="en-US"/>
               <a:t>Fourth level</a:t>
             </a:r>
           </a:p>
           <a:p>
             <a:pPr lvl="4"/>
             <a:r>
-              <a:rPr lang="en-US" smtClean="0"/>
+              <a:rPr lang="en-US"/>
               <a:t>Fifth level</a:t>
             </a:r>
             <a:endParaRPr lang="en-GB"/>
@@ -1658,7 +1673,7 @@
           <a:p>
             <a:pPr lvl="0"/>
             <a:r>
-              <a:rPr lang="en-US" smtClean="0"/>
+              <a:rPr lang="en-US"/>
               <a:t>Click to edit Master text styles</a:t>
             </a:r>
           </a:p>
@@ -1714,35 +1729,35 @@
           <a:p>
             <a:pPr lvl="0"/>
             <a:r>
-              <a:rPr lang="en-US" smtClean="0"/>
+              <a:rPr lang="en-US"/>
               <a:t>Click to edit Master text styles</a:t>
             </a:r>
           </a:p>
           <a:p>
             <a:pPr lvl="1"/>
             <a:r>
-              <a:rPr lang="en-US" smtClean="0"/>
+              <a:rPr lang="en-US"/>
               <a:t>Second level</a:t>
             </a:r>
           </a:p>
           <a:p>
             <a:pPr lvl="2"/>
             <a:r>
-              <a:rPr lang="en-US" smtClean="0"/>
+              <a:rPr lang="en-US"/>
               <a:t>Third level</a:t>
             </a:r>
           </a:p>
           <a:p>
             <a:pPr lvl="3"/>
             <a:r>
-              <a:rPr lang="en-US" smtClean="0"/>
+              <a:rPr lang="en-US"/>
               <a:t>Fourth level</a:t>
             </a:r>
           </a:p>
           <a:p>
             <a:pPr lvl="4"/>
             <a:r>
-              <a:rPr lang="en-US" smtClean="0"/>
+              <a:rPr lang="en-US"/>
               <a:t>Fifth level</a:t>
             </a:r>
             <a:endParaRPr lang="en-GB"/>
@@ -1766,7 +1781,7 @@
           <a:p>
             <a:fld id="{C7ACB136-7EEC-4858-8674-716FE7449EED}" type="datetimeFigureOut">
               <a:rPr lang="en-GB" smtClean="0"/>
-              <a:t>20/05/2016</a:t>
+              <a:t>24/09/2019</a:t>
             </a:fld>
             <a:endParaRPr lang="en-GB"/>
           </a:p>
@@ -1860,7 +1875,7 @@
           <a:lstStyle/>
           <a:p>
             <a:r>
-              <a:rPr lang="en-US" smtClean="0"/>
+              <a:rPr lang="en-US"/>
               <a:t>Click to edit Master title style</a:t>
             </a:r>
             <a:endParaRPr lang="en-GB"/>
@@ -1884,7 +1899,7 @@
           <a:p>
             <a:fld id="{C7ACB136-7EEC-4858-8674-716FE7449EED}" type="datetimeFigureOut">
               <a:rPr lang="en-GB" smtClean="0"/>
-              <a:t>20/05/2016</a:t>
+              <a:t>24/09/2019</a:t>
             </a:fld>
             <a:endParaRPr lang="en-GB"/>
           </a:p>
@@ -1979,7 +1994,7 @@
           <a:p>
             <a:fld id="{C7ACB136-7EEC-4858-8674-716FE7449EED}" type="datetimeFigureOut">
               <a:rPr lang="en-GB" smtClean="0"/>
-              <a:t>20/05/2016</a:t>
+              <a:t>24/09/2019</a:t>
             </a:fld>
             <a:endParaRPr lang="en-GB"/>
           </a:p>
@@ -2082,7 +2097,7 @@
           </a:lstStyle>
           <a:p>
             <a:r>
-              <a:rPr lang="en-US" smtClean="0"/>
+              <a:rPr lang="en-US"/>
               <a:t>Click to edit Master title style</a:t>
             </a:r>
             <a:endParaRPr lang="en-GB"/>
@@ -2139,35 +2154,35 @@
           <a:p>
             <a:pPr lvl="0"/>
             <a:r>
-              <a:rPr lang="en-US" smtClean="0"/>
+              <a:rPr lang="en-US"/>
               <a:t>Click to edit Master text styles</a:t>
             </a:r>
           </a:p>
           <a:p>
             <a:pPr lvl="1"/>
             <a:r>
-              <a:rPr lang="en-US" smtClean="0"/>
+              <a:rPr lang="en-US"/>
               <a:t>Second level</a:t>
             </a:r>
           </a:p>
           <a:p>
             <a:pPr lvl="2"/>
             <a:r>
-              <a:rPr lang="en-US" smtClean="0"/>
+              <a:rPr lang="en-US"/>
               <a:t>Third level</a:t>
             </a:r>
           </a:p>
           <a:p>
             <a:pPr lvl="3"/>
             <a:r>
-              <a:rPr lang="en-US" smtClean="0"/>
+              <a:rPr lang="en-US"/>
               <a:t>Fourth level</a:t>
             </a:r>
           </a:p>
           <a:p>
             <a:pPr lvl="4"/>
             <a:r>
-              <a:rPr lang="en-US" smtClean="0"/>
+              <a:rPr lang="en-US"/>
               <a:t>Fifth level</a:t>
             </a:r>
             <a:endParaRPr lang="en-GB"/>
@@ -2233,7 +2248,7 @@
           <a:p>
             <a:pPr lvl="0"/>
             <a:r>
-              <a:rPr lang="en-US" smtClean="0"/>
+              <a:rPr lang="en-US"/>
               <a:t>Click to edit Master text styles</a:t>
             </a:r>
           </a:p>
@@ -2256,7 +2271,7 @@
           <a:p>
             <a:fld id="{C7ACB136-7EEC-4858-8674-716FE7449EED}" type="datetimeFigureOut">
               <a:rPr lang="en-GB" smtClean="0"/>
-              <a:t>20/05/2016</a:t>
+              <a:t>24/09/2019</a:t>
             </a:fld>
             <a:endParaRPr lang="en-GB"/>
           </a:p>
@@ -2359,7 +2374,7 @@
           </a:lstStyle>
           <a:p>
             <a:r>
-              <a:rPr lang="en-US" smtClean="0"/>
+              <a:rPr lang="en-US"/>
               <a:t>Click to edit Master title style</a:t>
             </a:r>
             <a:endParaRPr lang="en-GB"/>
@@ -2486,7 +2501,7 @@
           <a:p>
             <a:pPr lvl="0"/>
             <a:r>
-              <a:rPr lang="en-US" smtClean="0"/>
+              <a:rPr lang="en-US"/>
               <a:t>Click to edit Master text styles</a:t>
             </a:r>
           </a:p>
@@ -2509,7 +2524,7 @@
           <a:p>
             <a:fld id="{C7ACB136-7EEC-4858-8674-716FE7449EED}" type="datetimeFigureOut">
               <a:rPr lang="en-GB" smtClean="0"/>
-              <a:t>20/05/2016</a:t>
+              <a:t>24/09/2019</a:t>
             </a:fld>
             <a:endParaRPr lang="en-GB"/>
           </a:p>
@@ -2618,7 +2633,7 @@
           <a:lstStyle/>
           <a:p>
             <a:r>
-              <a:rPr lang="en-US" smtClean="0"/>
+              <a:rPr lang="en-US"/>
               <a:t>Click to edit Master title style</a:t>
             </a:r>
             <a:endParaRPr lang="en-GB"/>
@@ -2652,35 +2667,35 @@
           <a:p>
             <a:pPr lvl="0"/>
             <a:r>
-              <a:rPr lang="en-US" smtClean="0"/>
+              <a:rPr lang="en-US"/>
               <a:t>Click to edit Master text styles</a:t>
             </a:r>
           </a:p>
           <a:p>
             <a:pPr lvl="1"/>
             <a:r>
-              <a:rPr lang="en-US" smtClean="0"/>
+              <a:rPr lang="en-US"/>
               <a:t>Second level</a:t>
             </a:r>
           </a:p>
           <a:p>
             <a:pPr lvl="2"/>
             <a:r>
-              <a:rPr lang="en-US" smtClean="0"/>
+              <a:rPr lang="en-US"/>
               <a:t>Third level</a:t>
             </a:r>
           </a:p>
           <a:p>
             <a:pPr lvl="3"/>
             <a:r>
-              <a:rPr lang="en-US" smtClean="0"/>
+              <a:rPr lang="en-US"/>
               <a:t>Fourth level</a:t>
             </a:r>
           </a:p>
           <a:p>
             <a:pPr lvl="4"/>
             <a:r>
-              <a:rPr lang="en-US" smtClean="0"/>
+              <a:rPr lang="en-US"/>
               <a:t>Fifth level</a:t>
             </a:r>
             <a:endParaRPr lang="en-GB"/>
@@ -2722,7 +2737,7 @@
           <a:p>
             <a:fld id="{C7ACB136-7EEC-4858-8674-716FE7449EED}" type="datetimeFigureOut">
               <a:rPr lang="en-GB" smtClean="0"/>
-              <a:t>20/05/2016</a:t>
+              <a:t>24/09/2019</a:t>
             </a:fld>
             <a:endParaRPr lang="en-GB"/>
           </a:p>
@@ -3099,81 +3114,13 @@
       </p:grpSpPr>
       <p:sp>
         <p:nvSpPr>
-          <p:cNvPr id="2" name="Title 1"/>
-          <p:cNvSpPr>
-            <a:spLocks noGrp="1"/>
-          </p:cNvSpPr>
-          <p:nvPr>
-            <p:ph type="ctrTitle"/>
-          </p:nvPr>
-        </p:nvSpPr>
-        <p:spPr/>
-        <p:txBody>
-          <a:bodyPr/>
-          <a:lstStyle/>
-          <a:p>
-            <a:endParaRPr lang="en-GB"/>
-          </a:p>
-        </p:txBody>
-      </p:sp>
-      <p:sp>
-        <p:nvSpPr>
-          <p:cNvPr id="3" name="Subtitle 2"/>
-          <p:cNvSpPr>
-            <a:spLocks noGrp="1"/>
-          </p:cNvSpPr>
-          <p:nvPr>
-            <p:ph type="subTitle" idx="1"/>
-          </p:nvPr>
-        </p:nvSpPr>
-        <p:spPr/>
-        <p:txBody>
-          <a:bodyPr/>
-          <a:lstStyle/>
-          <a:p>
-            <a:endParaRPr lang="en-GB"/>
-          </a:p>
-        </p:txBody>
-      </p:sp>
-    </p:spTree>
-    <p:extLst>
-      <p:ext uri="{BB962C8B-B14F-4D97-AF65-F5344CB8AC3E}">
-        <p14:creationId xmlns:p14="http://schemas.microsoft.com/office/powerpoint/2010/main" val="1111558095"/>
-      </p:ext>
-    </p:extLst>
-  </p:cSld>
-  <p:clrMapOvr>
-    <a:masterClrMapping/>
-  </p:clrMapOvr>
-</p:sld>
-</file>
-
-<file path=ppt/slides/slide2.xml><?xml version="1.0" encoding="utf-8"?>
-<p:sld xmlns:a="http://schemas.openxmlformats.org/drawingml/2006/main" xmlns:r="http://schemas.openxmlformats.org/officeDocument/2006/relationships" xmlns:p="http://schemas.openxmlformats.org/presentationml/2006/main">
-  <p:cSld>
-    <p:spTree>
-      <p:nvGrpSpPr>
-        <p:cNvPr id="1" name=""/>
-        <p:cNvGrpSpPr/>
-        <p:nvPr/>
-      </p:nvGrpSpPr>
-      <p:grpSpPr>
-        <a:xfrm>
-          <a:off x="0" y="0"/>
-          <a:ext cx="0" cy="0"/>
-          <a:chOff x="0" y="0"/>
-          <a:chExt cx="0" cy="0"/>
-        </a:xfrm>
-      </p:grpSpPr>
-      <p:sp>
-        <p:nvSpPr>
           <p:cNvPr id="52" name="Rectangle 51"/>
           <p:cNvSpPr/>
           <p:nvPr/>
         </p:nvSpPr>
         <p:spPr>
           <a:xfrm>
-            <a:off x="7233666" y="1088740"/>
+            <a:off x="5934888" y="1088740"/>
             <a:ext cx="1733454" cy="4788532"/>
           </a:xfrm>
           <a:prstGeom prst="rect">
@@ -3226,7 +3173,7 @@
         </p:nvSpPr>
         <p:spPr>
           <a:xfrm>
-            <a:off x="1691680" y="4368664"/>
+            <a:off x="392902" y="4368664"/>
             <a:ext cx="4824536" cy="1436599"/>
           </a:xfrm>
           <a:prstGeom prst="rect">
@@ -3271,7 +3218,7 @@
         </p:nvSpPr>
         <p:spPr>
           <a:xfrm>
-            <a:off x="1691680" y="2124471"/>
+            <a:off x="392902" y="2124471"/>
             <a:ext cx="4824536" cy="2244193"/>
           </a:xfrm>
           <a:prstGeom prst="rect">
@@ -3323,7 +3270,7 @@
         </p:nvSpPr>
         <p:spPr>
           <a:xfrm>
-            <a:off x="1691679" y="1772816"/>
+            <a:off x="392901" y="1772816"/>
             <a:ext cx="1224135" cy="351656"/>
           </a:xfrm>
           <a:prstGeom prst="rect">
@@ -3390,7 +3337,7 @@
         </p:blipFill>
         <p:spPr bwMode="auto">
           <a:xfrm>
-            <a:off x="2623510" y="10104"/>
+            <a:off x="1324732" y="10104"/>
             <a:ext cx="2380538" cy="1786646"/>
           </a:xfrm>
           <a:prstGeom prst="rect">
@@ -3416,7 +3363,7 @@
         </p:nvSpPr>
         <p:spPr>
           <a:xfrm>
-            <a:off x="2915815" y="1772816"/>
+            <a:off x="1617037" y="1772816"/>
             <a:ext cx="2736305" cy="351656"/>
           </a:xfrm>
           <a:prstGeom prst="rect">
@@ -3470,7 +3417,7 @@
         </p:nvSpPr>
         <p:spPr>
           <a:xfrm>
-            <a:off x="5652120" y="1771851"/>
+            <a:off x="4353342" y="1771851"/>
             <a:ext cx="864096" cy="2618649"/>
           </a:xfrm>
           <a:prstGeom prst="rect">
@@ -3539,7 +3486,7 @@
         </p:blipFill>
         <p:spPr bwMode="auto">
           <a:xfrm>
-            <a:off x="2915816" y="1746444"/>
+            <a:off x="1617038" y="1746444"/>
             <a:ext cx="1730823" cy="1394523"/>
           </a:xfrm>
           <a:prstGeom prst="rect">
@@ -3565,7 +3512,7 @@
         </p:nvSpPr>
         <p:spPr>
           <a:xfrm>
-            <a:off x="1547664" y="5373216"/>
+            <a:off x="248886" y="5373216"/>
             <a:ext cx="1946847" cy="504056"/>
           </a:xfrm>
           <a:prstGeom prst="rect">
@@ -3598,7 +3545,7 @@
           <a:p>
             <a:pPr algn="ctr"/>
             <a:r>
-              <a:rPr lang="en-US" sz="1600" dirty="0" smtClean="0">
+              <a:rPr lang="en-US" sz="1600" dirty="0">
                 <a:latin typeface="Arial" panose="020B0604020202020204" pitchFamily="34" charset="0"/>
                 <a:cs typeface="Arial" panose="020B0604020202020204" pitchFamily="34" charset="0"/>
               </a:rPr>
@@ -3619,7 +3566,7 @@
         </p:nvSpPr>
         <p:spPr>
           <a:xfrm>
-            <a:off x="1619672" y="3933056"/>
+            <a:off x="320894" y="3933056"/>
             <a:ext cx="1946847" cy="504056"/>
           </a:xfrm>
           <a:prstGeom prst="rect">
@@ -3652,7 +3599,7 @@
           <a:p>
             <a:pPr algn="ctr"/>
             <a:r>
-              <a:rPr lang="en-US" sz="1600" dirty="0" smtClean="0">
+              <a:rPr lang="en-US" sz="1600" dirty="0">
                 <a:latin typeface="Arial" panose="020B0604020202020204" pitchFamily="34" charset="0"/>
                 <a:cs typeface="Arial" panose="020B0604020202020204" pitchFamily="34" charset="0"/>
               </a:rPr>
@@ -3673,7 +3620,7 @@
         </p:nvSpPr>
         <p:spPr>
           <a:xfrm>
-            <a:off x="5110744" y="2924944"/>
+            <a:off x="3811966" y="2924944"/>
             <a:ext cx="1946847" cy="504056"/>
           </a:xfrm>
           <a:prstGeom prst="rect">
@@ -3706,7 +3653,7 @@
           <a:p>
             <a:pPr algn="ctr"/>
             <a:r>
-              <a:rPr lang="en-US" sz="1600" dirty="0" smtClean="0">
+              <a:rPr lang="en-US" sz="1600" dirty="0">
                 <a:latin typeface="Arial" panose="020B0604020202020204" pitchFamily="34" charset="0"/>
                 <a:cs typeface="Arial" panose="020B0604020202020204" pitchFamily="34" charset="0"/>
               </a:rPr>
@@ -3716,7 +3663,7 @@
           <a:p>
             <a:pPr algn="ctr"/>
             <a:r>
-              <a:rPr lang="en-US" sz="1600" dirty="0" smtClean="0">
+              <a:rPr lang="en-US" sz="1600" dirty="0">
                 <a:latin typeface="Arial" panose="020B0604020202020204" pitchFamily="34" charset="0"/>
                 <a:cs typeface="Arial" panose="020B0604020202020204" pitchFamily="34" charset="0"/>
               </a:rPr>
@@ -3737,7 +3684,7 @@
         </p:nvSpPr>
         <p:spPr>
           <a:xfrm>
-            <a:off x="1115616" y="1709373"/>
+            <a:off x="-183162" y="1709373"/>
             <a:ext cx="1946847" cy="504056"/>
           </a:xfrm>
           <a:prstGeom prst="rect">
@@ -3770,7 +3717,7 @@
           <a:p>
             <a:pPr algn="ctr"/>
             <a:r>
-              <a:rPr lang="en-US" sz="1600" dirty="0" smtClean="0">
+              <a:rPr lang="en-US" sz="1600" dirty="0">
                 <a:latin typeface="Arial" panose="020B0604020202020204" pitchFamily="34" charset="0"/>
                 <a:cs typeface="Arial" panose="020B0604020202020204" pitchFamily="34" charset="0"/>
               </a:rPr>
@@ -3791,7 +3738,7 @@
         </p:nvSpPr>
         <p:spPr>
           <a:xfrm>
-            <a:off x="4030624" y="1700808"/>
+            <a:off x="2731846" y="1700808"/>
             <a:ext cx="1946847" cy="504056"/>
           </a:xfrm>
           <a:prstGeom prst="rect">
@@ -3824,7 +3771,7 @@
           <a:p>
             <a:pPr algn="ctr"/>
             <a:r>
-              <a:rPr lang="en-US" sz="1600" dirty="0" smtClean="0">
+              <a:rPr lang="en-US" sz="1600" dirty="0">
                 <a:latin typeface="Arial" panose="020B0604020202020204" pitchFamily="34" charset="0"/>
                 <a:cs typeface="Arial" panose="020B0604020202020204" pitchFamily="34" charset="0"/>
               </a:rPr>
@@ -3845,7 +3792,7 @@
         </p:nvCxnSpPr>
         <p:spPr>
           <a:xfrm>
-            <a:off x="4716016" y="3915404"/>
+            <a:off x="3417238" y="3915404"/>
             <a:ext cx="0" cy="950195"/>
           </a:xfrm>
           <a:prstGeom prst="straightConnector1">
@@ -3881,7 +3828,7 @@
         </p:nvSpPr>
         <p:spPr>
           <a:xfrm>
-            <a:off x="3779912" y="4865599"/>
+            <a:off x="2481134" y="4865599"/>
             <a:ext cx="1946847" cy="504056"/>
           </a:xfrm>
           <a:prstGeom prst="rect">
@@ -3914,7 +3861,7 @@
           <a:p>
             <a:pPr algn="ctr"/>
             <a:r>
-              <a:rPr lang="en-US" sz="1600" dirty="0" smtClean="0">
+              <a:rPr lang="en-US" sz="1600" dirty="0">
                 <a:solidFill>
                   <a:sysClr val="windowText" lastClr="000000"/>
                 </a:solidFill>
@@ -3941,7 +3888,7 @@
         </p:nvCxnSpPr>
         <p:spPr>
           <a:xfrm flipV="1">
-            <a:off x="3520135" y="3961307"/>
+            <a:off x="2221357" y="3961307"/>
             <a:ext cx="0" cy="907853"/>
           </a:xfrm>
           <a:prstGeom prst="straightConnector1">
@@ -3977,7 +3924,7 @@
         </p:nvSpPr>
         <p:spPr>
           <a:xfrm>
-            <a:off x="2555776" y="4869160"/>
+            <a:off x="1256998" y="4869160"/>
             <a:ext cx="1946847" cy="504056"/>
           </a:xfrm>
           <a:prstGeom prst="rect">
@@ -4010,7 +3957,7 @@
           <a:p>
             <a:pPr algn="ctr"/>
             <a:r>
-              <a:rPr lang="en-US" sz="1600" dirty="0" smtClean="0">
+              <a:rPr lang="en-US" sz="1600" dirty="0">
                 <a:solidFill>
                   <a:sysClr val="windowText" lastClr="000000"/>
                 </a:solidFill>
@@ -4037,7 +3984,7 @@
         </p:nvCxnSpPr>
         <p:spPr>
           <a:xfrm flipV="1">
-            <a:off x="4572000" y="-431181"/>
+            <a:off x="3062463" y="-647205"/>
             <a:ext cx="0" cy="907853"/>
           </a:xfrm>
           <a:prstGeom prst="straightConnector1">
@@ -4073,7 +4020,7 @@
         </p:nvSpPr>
         <p:spPr>
           <a:xfrm>
-            <a:off x="4209329" y="260648"/>
+            <a:off x="2699792" y="44624"/>
             <a:ext cx="1946847" cy="504056"/>
           </a:xfrm>
           <a:prstGeom prst="rect">
@@ -4106,7 +4053,7 @@
           <a:p>
             <a:pPr algn="ctr"/>
             <a:r>
-              <a:rPr lang="en-US" sz="1600" dirty="0" smtClean="0">
+              <a:rPr lang="en-US" sz="1600" dirty="0">
                 <a:solidFill>
                   <a:sysClr val="windowText" lastClr="000000"/>
                 </a:solidFill>
@@ -4133,7 +4080,7 @@
         </p:nvCxnSpPr>
         <p:spPr>
           <a:xfrm flipV="1">
-            <a:off x="4206418" y="1216618"/>
+            <a:off x="2907640" y="1216618"/>
             <a:ext cx="0" cy="907853"/>
           </a:xfrm>
           <a:prstGeom prst="straightConnector1">
@@ -4169,7 +4116,7 @@
         </p:nvSpPr>
         <p:spPr>
           <a:xfrm>
-            <a:off x="3995936" y="980728"/>
+            <a:off x="2627784" y="1052736"/>
             <a:ext cx="1946847" cy="504056"/>
           </a:xfrm>
           <a:prstGeom prst="rect">
@@ -4202,7 +4149,7 @@
           <a:p>
             <a:pPr algn="ctr"/>
             <a:r>
-              <a:rPr lang="en-US" sz="1600" dirty="0" smtClean="0">
+              <a:rPr lang="en-US" sz="1600" dirty="0">
                 <a:solidFill>
                   <a:sysClr val="windowText" lastClr="000000"/>
                 </a:solidFill>
@@ -4229,7 +4176,7 @@
         </p:nvCxnSpPr>
         <p:spPr>
           <a:xfrm flipV="1">
-            <a:off x="6372200" y="1015770"/>
+            <a:off x="5073422" y="1015770"/>
             <a:ext cx="0" cy="706916"/>
           </a:xfrm>
           <a:prstGeom prst="straightConnector1">
@@ -4265,7 +4212,7 @@
         </p:nvSpPr>
         <p:spPr>
           <a:xfrm>
-            <a:off x="5380200" y="584684"/>
+            <a:off x="4081422" y="548680"/>
             <a:ext cx="1946847" cy="504056"/>
           </a:xfrm>
           <a:prstGeom prst="rect">
@@ -4298,14 +4245,14 @@
           <a:p>
             <a:pPr algn="ctr"/>
             <a:r>
-              <a:rPr lang="en-US" sz="1600" dirty="0" smtClean="0">
+              <a:rPr lang="en-US" sz="1600" dirty="0">
                 <a:solidFill>
                   <a:sysClr val="windowText" lastClr="000000"/>
                 </a:solidFill>
                 <a:latin typeface="Arial" panose="020B0604020202020204" pitchFamily="34" charset="0"/>
                 <a:cs typeface="Arial" panose="020B0604020202020204" pitchFamily="34" charset="0"/>
               </a:rPr>
-              <a:t>Open water evaporation</a:t>
+              <a:t>Open water (land) evaporation</a:t>
             </a:r>
             <a:endParaRPr lang="en-GB" sz="1600" dirty="0">
               <a:solidFill>
@@ -4325,7 +4272,7 @@
         </p:nvCxnSpPr>
         <p:spPr>
           <a:xfrm flipV="1">
-            <a:off x="1763688" y="1268760"/>
+            <a:off x="464910" y="1268760"/>
             <a:ext cx="0" cy="907853"/>
           </a:xfrm>
           <a:prstGeom prst="straightConnector1">
@@ -4361,7 +4308,7 @@
         </p:nvSpPr>
         <p:spPr>
           <a:xfrm>
-            <a:off x="1619672" y="1289675"/>
+            <a:off x="320894" y="1289675"/>
             <a:ext cx="1946847" cy="504056"/>
           </a:xfrm>
           <a:prstGeom prst="rect">
@@ -4394,7 +4341,7 @@
           <a:p>
             <a:pPr algn="ctr"/>
             <a:r>
-              <a:rPr lang="en-US" sz="1600" dirty="0" smtClean="0">
+              <a:rPr lang="en-US" sz="1600" dirty="0">
                 <a:solidFill>
                   <a:sysClr val="windowText" lastClr="000000"/>
                 </a:solidFill>
@@ -4421,7 +4368,7 @@
         </p:nvCxnSpPr>
         <p:spPr>
           <a:xfrm>
-            <a:off x="1979712" y="-467786"/>
+            <a:off x="680934" y="-467786"/>
             <a:ext cx="5469" cy="960086"/>
           </a:xfrm>
           <a:prstGeom prst="straightConnector1">
@@ -4457,7 +4404,7 @@
         </p:nvSpPr>
         <p:spPr>
           <a:xfrm>
-            <a:off x="1040977" y="332656"/>
+            <a:off x="-257801" y="332656"/>
             <a:ext cx="1946847" cy="504056"/>
           </a:xfrm>
           <a:prstGeom prst="rect">
@@ -4490,7 +4437,7 @@
           <a:p>
             <a:pPr algn="ctr"/>
             <a:r>
-              <a:rPr lang="en-US" sz="1600" dirty="0" smtClean="0">
+              <a:rPr lang="en-US" sz="1600" dirty="0">
                 <a:solidFill>
                   <a:sysClr val="windowText" lastClr="000000"/>
                 </a:solidFill>
@@ -4532,7 +4479,7 @@
         </p:blipFill>
         <p:spPr bwMode="auto">
           <a:xfrm>
-            <a:off x="1067531" y="-1353233"/>
+            <a:off x="-231247" y="-1353233"/>
             <a:ext cx="1500758" cy="885447"/>
           </a:xfrm>
           <a:prstGeom prst="rect">
@@ -4552,155 +4499,13 @@
       </p:pic>
       <p:cxnSp>
         <p:nvCxnSpPr>
-          <p:cNvPr id="35" name="Straight Arrow Connector 34"/>
-          <p:cNvCxnSpPr/>
-          <p:nvPr/>
-        </p:nvCxnSpPr>
-        <p:spPr>
-          <a:xfrm flipH="1">
-            <a:off x="5771640" y="4206997"/>
-            <a:ext cx="24496" cy="475097"/>
-          </a:xfrm>
-          <a:prstGeom prst="straightConnector1">
-            <a:avLst/>
-          </a:prstGeom>
-          <a:ln w="38100">
-            <a:solidFill>
-              <a:schemeClr val="tx1"/>
-            </a:solidFill>
-            <a:tailEnd type="arrow"/>
-          </a:ln>
-        </p:spPr>
-        <p:style>
-          <a:lnRef idx="1">
-            <a:schemeClr val="accent1"/>
-          </a:lnRef>
-          <a:fillRef idx="0">
-            <a:schemeClr val="accent1"/>
-          </a:fillRef>
-          <a:effectRef idx="0">
-            <a:schemeClr val="accent1"/>
-          </a:effectRef>
-          <a:fontRef idx="minor">
-            <a:schemeClr val="tx1"/>
-          </a:fontRef>
-        </p:style>
-      </p:cxnSp>
-      <p:cxnSp>
-        <p:nvCxnSpPr>
-          <p:cNvPr id="36" name="Straight Arrow Connector 35"/>
-          <p:cNvCxnSpPr/>
-          <p:nvPr/>
-        </p:nvCxnSpPr>
-        <p:spPr>
-          <a:xfrm flipV="1">
-            <a:off x="6012160" y="4189277"/>
-            <a:ext cx="0" cy="492817"/>
-          </a:xfrm>
-          <a:prstGeom prst="straightConnector1">
-            <a:avLst/>
-          </a:prstGeom>
-          <a:ln w="38100">
-            <a:solidFill>
-              <a:schemeClr val="tx1"/>
-            </a:solidFill>
-            <a:tailEnd type="arrow"/>
-          </a:ln>
-        </p:spPr>
-        <p:style>
-          <a:lnRef idx="1">
-            <a:schemeClr val="accent1"/>
-          </a:lnRef>
-          <a:fillRef idx="0">
-            <a:schemeClr val="accent1"/>
-          </a:fillRef>
-          <a:effectRef idx="0">
-            <a:schemeClr val="accent1"/>
-          </a:effectRef>
-          <a:fontRef idx="minor">
-            <a:schemeClr val="tx1"/>
-          </a:fontRef>
-        </p:style>
-      </p:cxnSp>
-      <p:sp>
-        <p:nvSpPr>
-          <p:cNvPr id="37" name="Rectangle 36"/>
-          <p:cNvSpPr/>
-          <p:nvPr/>
-        </p:nvSpPr>
-        <p:spPr>
-          <a:xfrm>
-            <a:off x="4932040" y="4869160"/>
-            <a:ext cx="1946847" cy="504056"/>
-          </a:xfrm>
-          <a:prstGeom prst="rect">
-            <a:avLst/>
-          </a:prstGeom>
-          <a:noFill/>
-          <a:ln>
-            <a:noFill/>
-          </a:ln>
-        </p:spPr>
-        <p:style>
-          <a:lnRef idx="2">
-            <a:schemeClr val="accent1">
-              <a:shade val="50000"/>
-            </a:schemeClr>
-          </a:lnRef>
-          <a:fillRef idx="1">
-            <a:schemeClr val="accent1"/>
-          </a:fillRef>
-          <a:effectRef idx="0">
-            <a:schemeClr val="accent1"/>
-          </a:effectRef>
-          <a:fontRef idx="minor">
-            <a:schemeClr val="lt1"/>
-          </a:fontRef>
-        </p:style>
-        <p:txBody>
-          <a:bodyPr rtlCol="0" anchor="ctr"/>
-          <a:lstStyle/>
-          <a:p>
-            <a:pPr algn="ctr"/>
-            <a:r>
-              <a:rPr lang="en-US" sz="1600" dirty="0" smtClean="0">
-                <a:solidFill>
-                  <a:sysClr val="windowText" lastClr="000000"/>
-                </a:solidFill>
-                <a:latin typeface="Arial" panose="020B0604020202020204" pitchFamily="34" charset="0"/>
-                <a:cs typeface="Arial" panose="020B0604020202020204" pitchFamily="34" charset="0"/>
-              </a:rPr>
-              <a:t>Ex- and </a:t>
-            </a:r>
-            <a:r>
-              <a:rPr lang="en-US" sz="1600" dirty="0" err="1" smtClean="0">
-                <a:solidFill>
-                  <a:sysClr val="windowText" lastClr="000000"/>
-                </a:solidFill>
-                <a:latin typeface="Arial" panose="020B0604020202020204" pitchFamily="34" charset="0"/>
-                <a:cs typeface="Arial" panose="020B0604020202020204" pitchFamily="34" charset="0"/>
-              </a:rPr>
-              <a:t>Reinfiltration</a:t>
-            </a:r>
-            <a:endParaRPr lang="en-GB" sz="1600" dirty="0">
-              <a:solidFill>
-                <a:sysClr val="windowText" lastClr="000000"/>
-              </a:solidFill>
-              <a:latin typeface="Arial" panose="020B0604020202020204" pitchFamily="34" charset="0"/>
-              <a:cs typeface="Arial" panose="020B0604020202020204" pitchFamily="34" charset="0"/>
-            </a:endParaRPr>
-          </a:p>
-        </p:txBody>
-      </p:sp>
-      <p:cxnSp>
-        <p:nvCxnSpPr>
           <p:cNvPr id="40" name="Straight Arrow Connector 39"/>
           <p:cNvCxnSpPr/>
           <p:nvPr/>
         </p:nvCxnSpPr>
         <p:spPr>
           <a:xfrm>
-            <a:off x="4572000" y="1938744"/>
+            <a:off x="3273222" y="1938744"/>
             <a:ext cx="0" cy="1533372"/>
           </a:xfrm>
           <a:prstGeom prst="straightConnector1">
@@ -4736,7 +4541,7 @@
         </p:nvCxnSpPr>
         <p:spPr>
           <a:xfrm>
-            <a:off x="2593095" y="1961401"/>
+            <a:off x="1294317" y="1961401"/>
             <a:ext cx="0" cy="1510715"/>
           </a:xfrm>
           <a:prstGeom prst="straightConnector1">
@@ -4772,7 +4577,7 @@
         </p:nvSpPr>
         <p:spPr>
           <a:xfrm>
-            <a:off x="2699792" y="3220088"/>
+            <a:off x="1401014" y="3220088"/>
             <a:ext cx="1946847" cy="504056"/>
           </a:xfrm>
           <a:prstGeom prst="rect">
@@ -4805,7 +4610,7 @@
           <a:p>
             <a:pPr algn="ctr"/>
             <a:r>
-              <a:rPr lang="en-US" sz="1600" dirty="0" smtClean="0">
+              <a:rPr lang="en-US" sz="1600" dirty="0">
                 <a:solidFill>
                   <a:sysClr val="windowText" lastClr="000000"/>
                 </a:solidFill>
@@ -4832,7 +4637,7 @@
         </p:nvCxnSpPr>
         <p:spPr>
           <a:xfrm>
-            <a:off x="6156176" y="5625245"/>
+            <a:off x="4857398" y="5625245"/>
             <a:ext cx="1077489" cy="0"/>
           </a:xfrm>
           <a:prstGeom prst="straightConnector1">
@@ -4868,7 +4673,7 @@
         </p:nvSpPr>
         <p:spPr>
           <a:xfrm>
-            <a:off x="7233666" y="5301207"/>
+            <a:off x="5934888" y="5301207"/>
             <a:ext cx="1733456" cy="504056"/>
           </a:xfrm>
           <a:prstGeom prst="rect">
@@ -4901,34 +4706,14 @@
           <a:p>
             <a:pPr algn="ctr"/>
             <a:r>
-              <a:rPr lang="en-US" sz="1600" dirty="0" smtClean="0">
+              <a:rPr lang="en-US" sz="1600" dirty="0">
                 <a:solidFill>
                   <a:sysClr val="windowText" lastClr="000000"/>
                 </a:solidFill>
                 <a:latin typeface="Arial" panose="020B0604020202020204" pitchFamily="34" charset="0"/>
                 <a:cs typeface="Arial" panose="020B0604020202020204" pitchFamily="34" charset="0"/>
               </a:rPr>
-              <a:t>(</a:t>
-            </a:r>
-            <a:r>
-              <a:rPr lang="en-US" sz="1600" dirty="0" err="1" smtClean="0">
-                <a:solidFill>
-                  <a:sysClr val="windowText" lastClr="000000"/>
-                </a:solidFill>
-                <a:latin typeface="Arial" panose="020B0604020202020204" pitchFamily="34" charset="0"/>
-                <a:cs typeface="Arial" panose="020B0604020202020204" pitchFamily="34" charset="0"/>
-              </a:rPr>
-              <a:t>Subcell</a:t>
-            </a:r>
-            <a:r>
-              <a:rPr lang="en-US" sz="1600" dirty="0" smtClean="0">
-                <a:solidFill>
-                  <a:sysClr val="windowText" lastClr="000000"/>
-                </a:solidFill>
-                <a:latin typeface="Arial" panose="020B0604020202020204" pitchFamily="34" charset="0"/>
-                <a:cs typeface="Arial" panose="020B0604020202020204" pitchFamily="34" charset="0"/>
-              </a:rPr>
-              <a:t>) Subsurface flow</a:t>
+              <a:t>Kinematic subsurface flow</a:t>
             </a:r>
             <a:endParaRPr lang="en-GB" sz="1600" dirty="0">
               <a:solidFill>
@@ -4948,7 +4733,7 @@
         </p:nvCxnSpPr>
         <p:spPr>
           <a:xfrm flipV="1">
-            <a:off x="5366653" y="1746444"/>
+            <a:off x="4067875" y="1746444"/>
             <a:ext cx="1867012" cy="2"/>
           </a:xfrm>
           <a:prstGeom prst="straightConnector1">
@@ -4984,7 +4769,7 @@
         </p:nvSpPr>
         <p:spPr>
           <a:xfrm>
-            <a:off x="7233665" y="1510240"/>
+            <a:off x="5934887" y="1510240"/>
             <a:ext cx="1733455" cy="504056"/>
           </a:xfrm>
           <a:prstGeom prst="rect">
@@ -5017,7 +4802,7 @@
           <a:p>
             <a:pPr algn="ctr"/>
             <a:r>
-              <a:rPr lang="en-US" sz="1600" dirty="0" smtClean="0">
+              <a:rPr lang="en-US" sz="1600" dirty="0">
                 <a:solidFill>
                   <a:sysClr val="windowText" lastClr="000000"/>
                 </a:solidFill>
@@ -5044,8 +4829,8 @@
         </p:nvSpPr>
         <p:spPr>
           <a:xfrm>
-            <a:off x="7327047" y="2557792"/>
-            <a:ext cx="1565433" cy="871208"/>
+            <a:off x="6028269" y="2557792"/>
+            <a:ext cx="1565433" cy="1015224"/>
           </a:xfrm>
           <a:prstGeom prst="rect">
             <a:avLst/>
@@ -5082,14 +4867,14 @@
           <a:p>
             <a:pPr algn="ctr"/>
             <a:r>
-              <a:rPr lang="en-US" sz="1600" dirty="0" smtClean="0">
+              <a:rPr lang="en-US" sz="1600" dirty="0">
                 <a:solidFill>
                   <a:sysClr val="windowText" lastClr="000000"/>
                 </a:solidFill>
                 <a:latin typeface="Arial" panose="020B0604020202020204" pitchFamily="34" charset="0"/>
                 <a:cs typeface="Arial" panose="020B0604020202020204" pitchFamily="34" charset="0"/>
               </a:rPr>
-              <a:t>Kinematic wave for routing </a:t>
+              <a:t>Kinematic wave for overland flow routing </a:t>
             </a:r>
             <a:endParaRPr lang="en-GB" sz="1600" dirty="0">
               <a:solidFill>
@@ -5109,7 +4894,7 @@
         </p:nvCxnSpPr>
         <p:spPr>
           <a:xfrm>
-            <a:off x="6300159" y="4221090"/>
+            <a:off x="5001381" y="4221090"/>
             <a:ext cx="928242" cy="0"/>
           </a:xfrm>
           <a:prstGeom prst="straightConnector1">
@@ -5145,7 +4930,7 @@
         </p:nvSpPr>
         <p:spPr>
           <a:xfrm>
-            <a:off x="7231032" y="4005064"/>
+            <a:off x="5932254" y="4005064"/>
             <a:ext cx="1733456" cy="504056"/>
           </a:xfrm>
           <a:prstGeom prst="rect">
@@ -5178,14 +4963,14 @@
           <a:p>
             <a:pPr algn="ctr"/>
             <a:r>
-              <a:rPr lang="en-US" sz="1600" dirty="0" smtClean="0">
+              <a:rPr lang="en-US" sz="1600" dirty="0">
                 <a:solidFill>
                   <a:sysClr val="windowText" lastClr="000000"/>
                 </a:solidFill>
                 <a:latin typeface="Arial" panose="020B0604020202020204" pitchFamily="34" charset="0"/>
                 <a:cs typeface="Arial" panose="020B0604020202020204" pitchFamily="34" charset="0"/>
               </a:rPr>
-              <a:t>Open water runoff</a:t>
+              <a:t>Open water (land) runoff</a:t>
             </a:r>
             <a:endParaRPr lang="en-GB" sz="1600" dirty="0">
               <a:solidFill>
@@ -5197,6 +4982,454 @@
           </a:p>
         </p:txBody>
       </p:sp>
+      <p:sp>
+        <p:nvSpPr>
+          <p:cNvPr id="44" name="Rectangle 43">
+            <a:extLst>
+              <a:ext uri="{FF2B5EF4-FFF2-40B4-BE49-F238E27FC236}">
+                <a16:creationId xmlns:a16="http://schemas.microsoft.com/office/drawing/2014/main" id="{BC38EBC2-1ED8-4DF5-8AA5-7AAB7C8ED41A}"/>
+              </a:ext>
+            </a:extLst>
+          </p:cNvPr>
+          <p:cNvSpPr/>
+          <p:nvPr/>
+        </p:nvSpPr>
+        <p:spPr>
+          <a:xfrm>
+            <a:off x="8092497" y="1771852"/>
+            <a:ext cx="864096" cy="4105420"/>
+          </a:xfrm>
+          <a:prstGeom prst="rect">
+            <a:avLst/>
+          </a:prstGeom>
+          <a:solidFill>
+            <a:schemeClr val="tx2">
+              <a:lumMod val="40000"/>
+              <a:lumOff val="60000"/>
+            </a:schemeClr>
+          </a:solidFill>
+          <a:ln>
+            <a:solidFill>
+              <a:schemeClr val="tx2">
+                <a:lumMod val="40000"/>
+                <a:lumOff val="60000"/>
+              </a:schemeClr>
+            </a:solidFill>
+          </a:ln>
+        </p:spPr>
+        <p:style>
+          <a:lnRef idx="2">
+            <a:schemeClr val="accent1">
+              <a:shade val="50000"/>
+            </a:schemeClr>
+          </a:lnRef>
+          <a:fillRef idx="1">
+            <a:schemeClr val="accent1"/>
+          </a:fillRef>
+          <a:effectRef idx="0">
+            <a:schemeClr val="accent1"/>
+          </a:effectRef>
+          <a:fontRef idx="minor">
+            <a:schemeClr val="lt1"/>
+          </a:fontRef>
+        </p:style>
+        <p:txBody>
+          <a:bodyPr rtlCol="0" anchor="ctr"/>
+          <a:lstStyle/>
+          <a:p>
+            <a:pPr algn="ctr"/>
+            <a:endParaRPr lang="en-GB"/>
+          </a:p>
+        </p:txBody>
+      </p:sp>
+      <p:sp>
+        <p:nvSpPr>
+          <p:cNvPr id="45" name="Rectangle 44">
+            <a:extLst>
+              <a:ext uri="{FF2B5EF4-FFF2-40B4-BE49-F238E27FC236}">
+                <a16:creationId xmlns:a16="http://schemas.microsoft.com/office/drawing/2014/main" id="{94FDE114-76ED-48A8-B949-22761E7EF977}"/>
+              </a:ext>
+            </a:extLst>
+          </p:cNvPr>
+          <p:cNvSpPr/>
+          <p:nvPr/>
+        </p:nvSpPr>
+        <p:spPr>
+          <a:xfrm>
+            <a:off x="7551121" y="3273008"/>
+            <a:ext cx="1946847" cy="504056"/>
+          </a:xfrm>
+          <a:prstGeom prst="rect">
+            <a:avLst/>
+          </a:prstGeom>
+          <a:noFill/>
+          <a:ln>
+            <a:noFill/>
+          </a:ln>
+        </p:spPr>
+        <p:style>
+          <a:lnRef idx="2">
+            <a:schemeClr val="accent1">
+              <a:shade val="50000"/>
+            </a:schemeClr>
+          </a:lnRef>
+          <a:fillRef idx="1">
+            <a:schemeClr val="accent1"/>
+          </a:fillRef>
+          <a:effectRef idx="0">
+            <a:schemeClr val="accent1"/>
+          </a:effectRef>
+          <a:fontRef idx="minor">
+            <a:schemeClr val="lt1"/>
+          </a:fontRef>
+        </p:style>
+        <p:txBody>
+          <a:bodyPr rtlCol="0" anchor="ctr"/>
+          <a:lstStyle/>
+          <a:p>
+            <a:pPr algn="ctr"/>
+            <a:r>
+              <a:rPr lang="en-US" sz="1600" dirty="0">
+                <a:latin typeface="Arial" panose="020B0604020202020204" pitchFamily="34" charset="0"/>
+                <a:cs typeface="Arial" panose="020B0604020202020204" pitchFamily="34" charset="0"/>
+              </a:rPr>
+              <a:t>River</a:t>
+            </a:r>
+          </a:p>
+        </p:txBody>
+      </p:sp>
+      <p:cxnSp>
+        <p:nvCxnSpPr>
+          <p:cNvPr id="53" name="Straight Arrow Connector 52">
+            <a:extLst>
+              <a:ext uri="{FF2B5EF4-FFF2-40B4-BE49-F238E27FC236}">
+                <a16:creationId xmlns:a16="http://schemas.microsoft.com/office/drawing/2014/main" id="{25B98ACA-CA9C-48A9-98FD-49FACEFDDEFF}"/>
+              </a:ext>
+            </a:extLst>
+          </p:cNvPr>
+          <p:cNvCxnSpPr>
+            <a:cxnSpLocks/>
+          </p:cNvCxnSpPr>
+          <p:nvPr/>
+        </p:nvCxnSpPr>
+        <p:spPr>
+          <a:xfrm>
+            <a:off x="7558983" y="5661248"/>
+            <a:ext cx="757433" cy="0"/>
+          </a:xfrm>
+          <a:prstGeom prst="straightConnector1">
+            <a:avLst/>
+          </a:prstGeom>
+          <a:ln w="38100">
+            <a:solidFill>
+              <a:schemeClr val="tx1"/>
+            </a:solidFill>
+            <a:tailEnd type="arrow"/>
+          </a:ln>
+        </p:spPr>
+        <p:style>
+          <a:lnRef idx="1">
+            <a:schemeClr val="accent1"/>
+          </a:lnRef>
+          <a:fillRef idx="0">
+            <a:schemeClr val="accent1"/>
+          </a:fillRef>
+          <a:effectRef idx="0">
+            <a:schemeClr val="accent1"/>
+          </a:effectRef>
+          <a:fontRef idx="minor">
+            <a:schemeClr val="tx1"/>
+          </a:fontRef>
+        </p:style>
+      </p:cxnSp>
+      <p:cxnSp>
+        <p:nvCxnSpPr>
+          <p:cNvPr id="54" name="Straight Arrow Connector 53">
+            <a:extLst>
+              <a:ext uri="{FF2B5EF4-FFF2-40B4-BE49-F238E27FC236}">
+                <a16:creationId xmlns:a16="http://schemas.microsoft.com/office/drawing/2014/main" id="{F28A6D8E-DBB9-4EAB-B28B-B8A51D6712FA}"/>
+              </a:ext>
+            </a:extLst>
+          </p:cNvPr>
+          <p:cNvCxnSpPr>
+            <a:cxnSpLocks/>
+          </p:cNvCxnSpPr>
+          <p:nvPr/>
+        </p:nvCxnSpPr>
+        <p:spPr>
+          <a:xfrm>
+            <a:off x="7452320" y="3065404"/>
+            <a:ext cx="856234" cy="3556"/>
+          </a:xfrm>
+          <a:prstGeom prst="straightConnector1">
+            <a:avLst/>
+          </a:prstGeom>
+          <a:ln w="38100">
+            <a:solidFill>
+              <a:schemeClr val="tx1"/>
+            </a:solidFill>
+            <a:tailEnd type="arrow"/>
+          </a:ln>
+        </p:spPr>
+        <p:style>
+          <a:lnRef idx="1">
+            <a:schemeClr val="accent1"/>
+          </a:lnRef>
+          <a:fillRef idx="0">
+            <a:schemeClr val="accent1"/>
+          </a:fillRef>
+          <a:effectRef idx="0">
+            <a:schemeClr val="accent1"/>
+          </a:effectRef>
+          <a:fontRef idx="minor">
+            <a:schemeClr val="tx1"/>
+          </a:fontRef>
+        </p:style>
+      </p:cxnSp>
+      <p:cxnSp>
+        <p:nvCxnSpPr>
+          <p:cNvPr id="58" name="Straight Arrow Connector 57">
+            <a:extLst>
+              <a:ext uri="{FF2B5EF4-FFF2-40B4-BE49-F238E27FC236}">
+                <a16:creationId xmlns:a16="http://schemas.microsoft.com/office/drawing/2014/main" id="{66C314C6-F78C-45A7-AD50-BFEC6E5FC4D9}"/>
+              </a:ext>
+            </a:extLst>
+          </p:cNvPr>
+          <p:cNvCxnSpPr>
+            <a:cxnSpLocks/>
+          </p:cNvCxnSpPr>
+          <p:nvPr/>
+        </p:nvCxnSpPr>
+        <p:spPr>
+          <a:xfrm flipV="1">
+            <a:off x="6798982" y="3616773"/>
+            <a:ext cx="0" cy="388291"/>
+          </a:xfrm>
+          <a:prstGeom prst="straightConnector1">
+            <a:avLst/>
+          </a:prstGeom>
+          <a:ln w="38100">
+            <a:solidFill>
+              <a:schemeClr val="bg1">
+                <a:lumMod val="65000"/>
+              </a:schemeClr>
+            </a:solidFill>
+            <a:tailEnd type="arrow"/>
+          </a:ln>
+        </p:spPr>
+        <p:style>
+          <a:lnRef idx="1">
+            <a:schemeClr val="accent1"/>
+          </a:lnRef>
+          <a:fillRef idx="0">
+            <a:schemeClr val="accent1"/>
+          </a:fillRef>
+          <a:effectRef idx="0">
+            <a:schemeClr val="accent1"/>
+          </a:effectRef>
+          <a:fontRef idx="minor">
+            <a:schemeClr val="tx1"/>
+          </a:fontRef>
+        </p:style>
+      </p:cxnSp>
+      <p:sp>
+        <p:nvSpPr>
+          <p:cNvPr id="70" name="Rectangle 69">
+            <a:extLst>
+              <a:ext uri="{FF2B5EF4-FFF2-40B4-BE49-F238E27FC236}">
+                <a16:creationId xmlns:a16="http://schemas.microsoft.com/office/drawing/2014/main" id="{CBAA298A-871D-4B09-91D7-924876C28948}"/>
+              </a:ext>
+            </a:extLst>
+          </p:cNvPr>
+          <p:cNvSpPr/>
+          <p:nvPr/>
+        </p:nvSpPr>
+        <p:spPr>
+          <a:xfrm>
+            <a:off x="7524328" y="404664"/>
+            <a:ext cx="1946848" cy="504056"/>
+          </a:xfrm>
+          <a:prstGeom prst="rect">
+            <a:avLst/>
+          </a:prstGeom>
+          <a:noFill/>
+          <a:ln>
+            <a:noFill/>
+          </a:ln>
+        </p:spPr>
+        <p:style>
+          <a:lnRef idx="2">
+            <a:schemeClr val="accent1">
+              <a:shade val="50000"/>
+            </a:schemeClr>
+          </a:lnRef>
+          <a:fillRef idx="1">
+            <a:schemeClr val="accent1"/>
+          </a:fillRef>
+          <a:effectRef idx="0">
+            <a:schemeClr val="accent1"/>
+          </a:effectRef>
+          <a:fontRef idx="minor">
+            <a:schemeClr val="lt1"/>
+          </a:fontRef>
+        </p:style>
+        <p:txBody>
+          <a:bodyPr rtlCol="0" anchor="ctr"/>
+          <a:lstStyle/>
+          <a:p>
+            <a:pPr algn="ctr"/>
+            <a:r>
+              <a:rPr lang="en-US" sz="1600" dirty="0">
+                <a:solidFill>
+                  <a:sysClr val="windowText" lastClr="000000"/>
+                </a:solidFill>
+                <a:latin typeface="Arial" panose="020B0604020202020204" pitchFamily="34" charset="0"/>
+                <a:cs typeface="Arial" panose="020B0604020202020204" pitchFamily="34" charset="0"/>
+              </a:rPr>
+              <a:t>Open water (river) runoff and evaporation</a:t>
+            </a:r>
+            <a:endParaRPr lang="en-GB" sz="1600" dirty="0">
+              <a:solidFill>
+                <a:sysClr val="windowText" lastClr="000000"/>
+              </a:solidFill>
+              <a:latin typeface="Arial" panose="020B0604020202020204" pitchFamily="34" charset="0"/>
+              <a:cs typeface="Arial" panose="020B0604020202020204" pitchFamily="34" charset="0"/>
+            </a:endParaRPr>
+          </a:p>
+        </p:txBody>
+      </p:sp>
+      <p:cxnSp>
+        <p:nvCxnSpPr>
+          <p:cNvPr id="71" name="Straight Arrow Connector 70">
+            <a:extLst>
+              <a:ext uri="{FF2B5EF4-FFF2-40B4-BE49-F238E27FC236}">
+                <a16:creationId xmlns:a16="http://schemas.microsoft.com/office/drawing/2014/main" id="{A954891F-4C2E-4971-A440-D92B5CA7DAE8}"/>
+              </a:ext>
+            </a:extLst>
+          </p:cNvPr>
+          <p:cNvCxnSpPr/>
+          <p:nvPr/>
+        </p:nvCxnSpPr>
+        <p:spPr>
+          <a:xfrm flipV="1">
+            <a:off x="8748464" y="1064935"/>
+            <a:ext cx="0" cy="706916"/>
+          </a:xfrm>
+          <a:prstGeom prst="straightConnector1">
+            <a:avLst/>
+          </a:prstGeom>
+          <a:ln w="38100">
+            <a:solidFill>
+              <a:schemeClr val="tx1"/>
+            </a:solidFill>
+            <a:tailEnd type="arrow"/>
+          </a:ln>
+        </p:spPr>
+        <p:style>
+          <a:lnRef idx="1">
+            <a:schemeClr val="accent1"/>
+          </a:lnRef>
+          <a:fillRef idx="0">
+            <a:schemeClr val="accent1"/>
+          </a:fillRef>
+          <a:effectRef idx="0">
+            <a:schemeClr val="accent1"/>
+          </a:effectRef>
+          <a:fontRef idx="minor">
+            <a:schemeClr val="tx1"/>
+          </a:fontRef>
+        </p:style>
+      </p:cxnSp>
+      <p:cxnSp>
+        <p:nvCxnSpPr>
+          <p:cNvPr id="72" name="Straight Arrow Connector 71">
+            <a:extLst>
+              <a:ext uri="{FF2B5EF4-FFF2-40B4-BE49-F238E27FC236}">
+                <a16:creationId xmlns:a16="http://schemas.microsoft.com/office/drawing/2014/main" id="{3F7CC54D-54A9-485B-90C2-43CE1FAA9AE5}"/>
+              </a:ext>
+            </a:extLst>
+          </p:cNvPr>
+          <p:cNvCxnSpPr>
+            <a:cxnSpLocks/>
+          </p:cNvCxnSpPr>
+          <p:nvPr/>
+        </p:nvCxnSpPr>
+        <p:spPr>
+          <a:xfrm flipV="1">
+            <a:off x="6804248" y="2124471"/>
+            <a:ext cx="0" cy="388291"/>
+          </a:xfrm>
+          <a:prstGeom prst="straightConnector1">
+            <a:avLst/>
+          </a:prstGeom>
+          <a:ln w="38100">
+            <a:solidFill>
+              <a:schemeClr val="bg1">
+                <a:lumMod val="65000"/>
+              </a:schemeClr>
+            </a:solidFill>
+            <a:headEnd type="arrow"/>
+            <a:tailEnd type="none"/>
+          </a:ln>
+        </p:spPr>
+        <p:style>
+          <a:lnRef idx="1">
+            <a:schemeClr val="accent1"/>
+          </a:lnRef>
+          <a:fillRef idx="0">
+            <a:schemeClr val="accent1"/>
+          </a:fillRef>
+          <a:effectRef idx="0">
+            <a:schemeClr val="accent1"/>
+          </a:effectRef>
+          <a:fontRef idx="minor">
+            <a:schemeClr val="tx1"/>
+          </a:fontRef>
+        </p:style>
+      </p:cxnSp>
+      <p:cxnSp>
+        <p:nvCxnSpPr>
+          <p:cNvPr id="74" name="Straight Arrow Connector 73">
+            <a:extLst>
+              <a:ext uri="{FF2B5EF4-FFF2-40B4-BE49-F238E27FC236}">
+                <a16:creationId xmlns:a16="http://schemas.microsoft.com/office/drawing/2014/main" id="{C33AC344-08FE-427E-AAA6-0E7E9F60CDD0}"/>
+              </a:ext>
+            </a:extLst>
+          </p:cNvPr>
+          <p:cNvCxnSpPr/>
+          <p:nvPr/>
+        </p:nvCxnSpPr>
+        <p:spPr>
+          <a:xfrm flipV="1">
+            <a:off x="8244408" y="1064935"/>
+            <a:ext cx="0" cy="706916"/>
+          </a:xfrm>
+          <a:prstGeom prst="straightConnector1">
+            <a:avLst/>
+          </a:prstGeom>
+          <a:ln w="38100">
+            <a:solidFill>
+              <a:schemeClr val="tx1"/>
+            </a:solidFill>
+            <a:headEnd type="arrow"/>
+            <a:tailEnd type="none"/>
+          </a:ln>
+        </p:spPr>
+        <p:style>
+          <a:lnRef idx="1">
+            <a:schemeClr val="accent1"/>
+          </a:lnRef>
+          <a:fillRef idx="0">
+            <a:schemeClr val="accent1"/>
+          </a:fillRef>
+          <a:effectRef idx="0">
+            <a:schemeClr val="accent1"/>
+          </a:effectRef>
+          <a:fontRef idx="minor">
+            <a:schemeClr val="tx1"/>
+          </a:fontRef>
+        </p:style>
+      </p:cxnSp>
     </p:spTree>
     <p:extLst>
       <p:ext uri="{BB962C8B-B14F-4D97-AF65-F5344CB8AC3E}">
@@ -5210,9 +5443,17 @@
 </p:sld>
 </file>
 
-<file path=ppt/slides/slide3.xml><?xml version="1.0" encoding="utf-8"?>
+<file path=ppt/slides/slide2.xml><?xml version="1.0" encoding="utf-8"?>
 <p:sld xmlns:a="http://schemas.openxmlformats.org/drawingml/2006/main" xmlns:r="http://schemas.openxmlformats.org/officeDocument/2006/relationships" xmlns:p="http://schemas.openxmlformats.org/presentationml/2006/main">
   <p:cSld>
+    <p:bg>
+      <p:bgPr>
+        <a:solidFill>
+          <a:schemeClr val="bg1"/>
+        </a:solidFill>
+        <a:effectLst/>
+      </p:bgPr>
+    </p:bg>
     <p:spTree>
       <p:nvGrpSpPr>
         <p:cNvPr id="1" name=""/>
@@ -5227,89 +5468,36 @@
           <a:chExt cx="0" cy="0"/>
         </a:xfrm>
       </p:grpSpPr>
-      <p:sp>
-        <p:nvSpPr>
-          <p:cNvPr id="2" name="Title 1"/>
-          <p:cNvSpPr>
-            <a:spLocks noGrp="1"/>
-          </p:cNvSpPr>
-          <p:nvPr>
-            <p:ph type="title"/>
-          </p:nvPr>
-        </p:nvSpPr>
-        <p:spPr/>
-        <p:txBody>
-          <a:bodyPr/>
-          <a:lstStyle/>
-          <a:p>
-            <a:endParaRPr lang="en-GB"/>
-          </a:p>
-        </p:txBody>
-      </p:sp>
       <p:pic>
         <p:nvPicPr>
-          <p:cNvPr id="2051" name="Picture 3"/>
+          <p:cNvPr id="8" name="Content Placeholder 7">
+            <a:extLst>
+              <a:ext uri="{FF2B5EF4-FFF2-40B4-BE49-F238E27FC236}">
+                <a16:creationId xmlns:a16="http://schemas.microsoft.com/office/drawing/2014/main" id="{07AAC736-E019-4E13-BC1E-6CD458EFCB7B}"/>
+              </a:ext>
+            </a:extLst>
+          </p:cNvPr>
           <p:cNvPicPr>
-            <a:picLocks noGrp="1" noChangeAspect="1" noChangeArrowheads="1"/>
+            <a:picLocks noGrp="1" noChangeAspect="1"/>
           </p:cNvPicPr>
           <p:nvPr>
             <p:ph idx="1"/>
           </p:nvPr>
         </p:nvPicPr>
         <p:blipFill>
-          <a:blip r:embed="rId2" cstate="print">
-            <a:extLst>
-              <a:ext uri="{28A0092B-C50C-407E-A947-70E740481C1C}">
-                <a14:useLocalDpi xmlns:a14="http://schemas.microsoft.com/office/drawing/2010/main" val="0"/>
-              </a:ext>
-            </a:extLst>
-          </a:blip>
-          <a:srcRect/>
+          <a:blip r:embed="rId2"/>
           <a:stretch>
             <a:fillRect/>
           </a:stretch>
         </p:blipFill>
-        <p:spPr bwMode="auto">
-          <a:xfrm>
-            <a:off x="2102258" y="1600200"/>
-            <a:ext cx="4939483" cy="4525963"/>
+        <p:spPr>
+          <a:xfrm>
+            <a:off x="833028" y="643466"/>
+            <a:ext cx="7477943" cy="5571067"/>
           </a:xfrm>
           <a:prstGeom prst="rect">
             <a:avLst/>
           </a:prstGeom>
-          <a:noFill/>
-          <a:ln>
-            <a:noFill/>
-          </a:ln>
-          <a:effectLst/>
-          <a:extLst>
-            <a:ext uri="{909E8E84-426E-40DD-AFC4-6F175D3DCCD1}">
-              <a14:hiddenFill xmlns:a14="http://schemas.microsoft.com/office/drawing/2010/main">
-                <a:solidFill>
-                  <a:schemeClr val="accent1"/>
-                </a:solidFill>
-              </a14:hiddenFill>
-            </a:ext>
-            <a:ext uri="{91240B29-F687-4F45-9708-019B960494DF}">
-              <a14:hiddenLine xmlns:a14="http://schemas.microsoft.com/office/drawing/2010/main" w="9525">
-                <a:solidFill>
-                  <a:schemeClr val="tx1"/>
-                </a:solidFill>
-                <a:miter lim="800000"/>
-                <a:headEnd/>
-                <a:tailEnd/>
-              </a14:hiddenLine>
-            </a:ext>
-            <a:ext uri="{AF507438-7753-43E0-B8FC-AC1667EBCBE1}">
-              <a14:hiddenEffects xmlns:a14="http://schemas.microsoft.com/office/drawing/2010/main">
-                <a:effectLst>
-                  <a:outerShdw dist="35921" dir="2700000" algn="ctr" rotWithShape="0">
-                    <a:schemeClr val="bg2"/>
-                  </a:outerShdw>
-                </a:effectLst>
-              </a14:hiddenEffects>
-            </a:ext>
-          </a:extLst>
         </p:spPr>
       </p:pic>
     </p:spTree>
